--- a/资料/课件/OC/OC语言-1.2-类的封装.pptx
+++ b/资料/课件/OC/OC语言-1.2-类的封装.pptx
@@ -5,18 +5,19 @@
     <p:sldMasterId id="2147488748" r:id="rId1"/>
   </p:sldMasterIdLst>
   <p:notesMasterIdLst>
-    <p:notesMasterId r:id="rId3"/>
+    <p:notesMasterId r:id="rId4"/>
   </p:notesMasterIdLst>
   <p:handoutMasterIdLst>
-    <p:handoutMasterId r:id="rId4"/>
+    <p:handoutMasterId r:id="rId5"/>
   </p:handoutMasterIdLst>
   <p:sldIdLst>
     <p:sldId id="1551" r:id="rId2"/>
+    <p:sldId id="1552" r:id="rId3"/>
   </p:sldIdLst>
   <p:sldSz cx="9144000" cy="6858000" type="screen4x3"/>
   <p:notesSz cx="6797675" cy="9874250"/>
   <p:custDataLst>
-    <p:tags r:id="rId6"/>
+    <p:tags r:id="rId7"/>
   </p:custDataLst>
   <p:defaultTextStyle>
     <a:defPPr>
@@ -149,12 +150,13 @@
         <p14:section name="Default Section" id="{5009879F-230C-4AAA-9B60-41FFDFBA99F4}">
           <p14:sldIdLst>
             <p14:sldId id="1551"/>
+            <p14:sldId id="1552"/>
           </p14:sldIdLst>
         </p14:section>
       </p14:sectionLst>
     </p:ext>
     <p:ext uri="{EFAFB233-063F-42B5-8137-9DF3F51BA10A}">
-      <p15:sldGuideLst xmlns:p15="http://schemas.microsoft.com/office/powerpoint/2012/main" xmlns="">
+      <p15:sldGuideLst xmlns="" xmlns:p15="http://schemas.microsoft.com/office/powerpoint/2012/main">
         <p15:guide id="1" orient="horz">
           <p15:clr>
             <a:srgbClr val="A4A3A4"/>
@@ -168,7 +170,7 @@
       </p15:sldGuideLst>
     </p:ext>
     <p:ext uri="{2D200454-40CA-4A62-9FC3-DE9A4176ACB9}">
-      <p15:notesGuideLst xmlns:p15="http://schemas.microsoft.com/office/powerpoint/2012/main" xmlns="">
+      <p15:notesGuideLst xmlns="" xmlns:p15="http://schemas.microsoft.com/office/powerpoint/2012/main">
         <p15:guide id="1" orient="horz" pos="3109">
           <p15:clr>
             <a:srgbClr val="A4A3A4"/>
@@ -272,7 +274,7 @@
                 <a:ea typeface="微软雅黑" pitchFamily="34" charset="-122"/>
               </a:rPr>
               <a:pPr/>
-              <a:t>15/3/16</a:t>
+              <a:t>15/3/23</a:t>
             </a:fld>
             <a:endParaRPr lang="zh-CN" altLang="en-US" dirty="0">
               <a:ea typeface="微软雅黑" pitchFamily="34" charset="-122"/>
@@ -476,7 +478,7 @@
             <a:fld id="{DF9E65B2-A0B4-4242-9432-201E84F17494}" type="datetime1">
               <a:rPr lang="en-US" smtClean="0"/>
               <a:pPr/>
-              <a:t>15/3/16</a:t>
+              <a:t>15/3/23</a:t>
             </a:fld>
             <a:endParaRPr lang="en-US" dirty="0"/>
           </a:p>
@@ -1405,7 +1407,7 @@
             <a:fld id="{055FF6D4-D4D7-426A-98F7-170A3668379E}" type="datetime1">
               <a:rPr lang="en-US" smtClean="0"/>
               <a:pPr/>
-              <a:t>15/3/16</a:t>
+              <a:t>15/3/23</a:t>
             </a:fld>
             <a:endParaRPr lang="en-US" dirty="0"/>
           </a:p>
@@ -2032,7 +2034,7 @@
             <a:fld id="{74CBEAF9-9E58-4CC8-A6FF-6DD8A58DEEA4}" type="datetimeFigureOut">
               <a:rPr lang="en-US" smtClean="0"/>
               <a:pPr eaLnBrk="1" latinLnBrk="0" hangingPunct="1"/>
-              <a:t>15/3/16</a:t>
+              <a:t>15/3/23</a:t>
             </a:fld>
             <a:endParaRPr lang="en-US"/>
           </a:p>
@@ -2550,7 +2552,7 @@
             <a:fld id="{74CBEAF9-9E58-4CC8-A6FF-6DD8A58DEEA4}" type="datetimeFigureOut">
               <a:rPr lang="en-US" smtClean="0"/>
               <a:pPr algn="l" eaLnBrk="1" latinLnBrk="0" hangingPunct="1"/>
-              <a:t>15/3/16</a:t>
+              <a:t>15/3/23</a:t>
             </a:fld>
             <a:endParaRPr lang="en-US" dirty="0">
               <a:solidFill>
@@ -3085,7 +3087,7 @@
             <a:fld id="{74CBEAF9-9E58-4CC8-A6FF-6DD8A58DEEA4}" type="datetimeFigureOut">
               <a:rPr lang="en-US" smtClean="0"/>
               <a:pPr algn="l" eaLnBrk="1" latinLnBrk="0" hangingPunct="1"/>
-              <a:t>15/3/16</a:t>
+              <a:t>15/3/23</a:t>
             </a:fld>
             <a:endParaRPr lang="en-US" dirty="0">
               <a:solidFill>
@@ -3921,7 +3923,7 @@
             <a:fld id="{74CBEAF9-9E58-4CC8-A6FF-6DD8A58DEEA4}" type="datetimeFigureOut">
               <a:rPr lang="en-US" smtClean="0"/>
               <a:pPr eaLnBrk="1" latinLnBrk="0" hangingPunct="1"/>
-              <a:t>15/3/16</a:t>
+              <a:t>15/3/23</a:t>
             </a:fld>
             <a:endParaRPr lang="en-US"/>
           </a:p>
@@ -4503,7 +4505,7 @@
             <a:fld id="{42295D47-465E-4A05-802B-049480555B6D}" type="datetime1">
               <a:rPr lang="en-US" smtClean="0"/>
               <a:pPr/>
-              <a:t>15/3/16</a:t>
+              <a:t>15/3/23</a:t>
             </a:fld>
             <a:endParaRPr lang="en-US"/>
           </a:p>
@@ -5134,7 +5136,7 @@
             <a:fld id="{74CBEAF9-9E58-4CC8-A6FF-6DD8A58DEEA4}" type="datetimeFigureOut">
               <a:rPr lang="en-US" smtClean="0"/>
               <a:pPr algn="l" eaLnBrk="1" latinLnBrk="0" hangingPunct="1"/>
-              <a:t>15/3/16</a:t>
+              <a:t>15/3/23</a:t>
             </a:fld>
             <a:endParaRPr lang="en-US" dirty="0">
               <a:solidFill>
@@ -5916,7 +5918,7 @@
             <a:fld id="{74CBEAF9-9E58-4CC8-A6FF-6DD8A58DEEA4}" type="datetimeFigureOut">
               <a:rPr lang="en-US" smtClean="0"/>
               <a:pPr eaLnBrk="1" latinLnBrk="0" hangingPunct="1"/>
-              <a:t>15/3/16</a:t>
+              <a:t>15/3/23</a:t>
             </a:fld>
             <a:endParaRPr lang="en-US"/>
           </a:p>
@@ -6377,7 +6379,7 @@
             <a:fld id="{74CBEAF9-9E58-4CC8-A6FF-6DD8A58DEEA4}" type="datetimeFigureOut">
               <a:rPr lang="en-US" smtClean="0"/>
               <a:pPr eaLnBrk="1" latinLnBrk="0" hangingPunct="1"/>
-              <a:t>15/3/16</a:t>
+              <a:t>15/3/23</a:t>
             </a:fld>
             <a:endParaRPr lang="en-US"/>
           </a:p>
@@ -6806,7 +6808,7 @@
             <a:fld id="{74CBEAF9-9E58-4CC8-A6FF-6DD8A58DEEA4}" type="datetimeFigureOut">
               <a:rPr lang="en-US" smtClean="0"/>
               <a:pPr eaLnBrk="1" latinLnBrk="0" hangingPunct="1"/>
-              <a:t>15/3/16</a:t>
+              <a:t>15/3/23</a:t>
             </a:fld>
             <a:endParaRPr lang="en-US"/>
           </a:p>
@@ -7427,7 +7429,7 @@
             <a:fld id="{74CBEAF9-9E58-4CC8-A6FF-6DD8A58DEEA4}" type="datetimeFigureOut">
               <a:rPr lang="en-US" smtClean="0"/>
               <a:pPr eaLnBrk="1" latinLnBrk="0" hangingPunct="1"/>
-              <a:t>15/3/16</a:t>
+              <a:t>15/3/23</a:t>
             </a:fld>
             <a:endParaRPr lang="en-US"/>
           </a:p>
@@ -7692,7 +7694,7 @@
             <a:fld id="{74CBEAF9-9E58-4CC8-A6FF-6DD8A58DEEA4}" type="datetimeFigureOut">
               <a:rPr lang="en-US" smtClean="0"/>
               <a:pPr algn="l" eaLnBrk="1" latinLnBrk="0" hangingPunct="1"/>
-              <a:t>15/3/16</a:t>
+              <a:t>15/3/23</a:t>
             </a:fld>
             <a:endParaRPr lang="en-US" dirty="0">
               <a:solidFill>
@@ -8440,7 +8442,6 @@
               <a:rPr kumimoji="1" lang="zh-CN" altLang="en-US" sz="3600" dirty="0"/>
               <a:t>类的封装</a:t>
             </a:r>
-            <a:endParaRPr kumimoji="1" lang="zh-CN" altLang="en-US" sz="3600" dirty="0"/>
           </a:p>
         </p:txBody>
       </p:sp>
@@ -8448,6 +8449,160 @@
     <p:extLst>
       <p:ext uri="{BB962C8B-B14F-4D97-AF65-F5344CB8AC3E}">
         <p14:creationId xmlns:p14="http://schemas.microsoft.com/office/powerpoint/2010/main" val="2973930980"/>
+      </p:ext>
+    </p:extLst>
+  </p:cSld>
+  <p:clrMapOvr>
+    <a:masterClrMapping/>
+  </p:clrMapOvr>
+  <p:timing>
+    <p:tnLst>
+      <p:par>
+        <p:cTn xmlns:p14="http://schemas.microsoft.com/office/powerpoint/2010/main" id="1" dur="indefinite" restart="never" nodeType="tmRoot"/>
+      </p:par>
+    </p:tnLst>
+  </p:timing>
+</p:sld>
+</file>
+
+<file path=ppt/slides/slide2.xml><?xml version="1.0" encoding="utf-8"?>
+<p:sld xmlns:a="http://schemas.openxmlformats.org/drawingml/2006/main" xmlns:r="http://schemas.openxmlformats.org/officeDocument/2006/relationships" xmlns:p="http://schemas.openxmlformats.org/presentationml/2006/main">
+  <p:cSld>
+    <p:spTree>
+      <p:nvGrpSpPr>
+        <p:cNvPr id="1" name=""/>
+        <p:cNvGrpSpPr/>
+        <p:nvPr/>
+      </p:nvGrpSpPr>
+      <p:grpSpPr>
+        <a:xfrm>
+          <a:off x="0" y="0"/>
+          <a:ext cx="0" cy="0"/>
+          <a:chOff x="0" y="0"/>
+          <a:chExt cx="0" cy="0"/>
+        </a:xfrm>
+      </p:grpSpPr>
+      <p:sp>
+        <p:nvSpPr>
+          <p:cNvPr id="2" name="标题 1"/>
+          <p:cNvSpPr>
+            <a:spLocks noGrp="1"/>
+          </p:cNvSpPr>
+          <p:nvPr>
+            <p:ph type="title"/>
+          </p:nvPr>
+        </p:nvSpPr>
+        <p:spPr/>
+        <p:txBody>
+          <a:bodyPr/>
+          <a:lstStyle/>
+          <a:p>
+            <a:r>
+              <a:rPr lang="zh-CN" altLang="en-US" b="0" dirty="0" smtClean="0"/>
+              <a:t>封装</a:t>
+            </a:r>
+            <a:r>
+              <a:rPr lang="zh-CN" altLang="en-US" b="0" dirty="0" smtClean="0"/>
+              <a:t>的好处</a:t>
+            </a:r>
+            <a:endParaRPr kumimoji="1" lang="zh-CN" altLang="en-US" dirty="0"/>
+          </a:p>
+        </p:txBody>
+      </p:sp>
+      <p:sp>
+        <p:nvSpPr>
+          <p:cNvPr id="3" name="幻灯片编号占位符 2"/>
+          <p:cNvSpPr>
+            <a:spLocks noGrp="1"/>
+          </p:cNvSpPr>
+          <p:nvPr>
+            <p:ph type="sldNum" sz="quarter" idx="4"/>
+          </p:nvPr>
+        </p:nvSpPr>
+        <p:spPr/>
+        <p:txBody>
+          <a:bodyPr/>
+          <a:lstStyle/>
+          <a:p>
+            <a:fld id="{BF10DB53-D7D3-4DB6-A29F-40217B92EC88}" type="slidenum">
+              <a:rPr lang="en-US" smtClean="0"/>
+              <a:pPr/>
+              <a:t>1</a:t>
+            </a:fld>
+            <a:endParaRPr lang="en-US" dirty="0"/>
+          </a:p>
+        </p:txBody>
+      </p:sp>
+      <p:sp>
+        <p:nvSpPr>
+          <p:cNvPr id="5" name="文本框 4"/>
+          <p:cNvSpPr txBox="1"/>
+          <p:nvPr/>
+        </p:nvSpPr>
+        <p:spPr>
+          <a:xfrm>
+            <a:off x="251520" y="1340768"/>
+            <a:ext cx="8352928" cy="1723549"/>
+          </a:xfrm>
+          <a:prstGeom prst="rect">
+            <a:avLst/>
+          </a:prstGeom>
+          <a:noFill/>
+        </p:spPr>
+        <p:txBody>
+          <a:bodyPr wrap="square" rtlCol="0">
+            <a:spAutoFit/>
+          </a:bodyPr>
+          <a:lstStyle/>
+          <a:p>
+            <a:pPr marL="342900" lvl="0" indent="-342900">
+              <a:lnSpc>
+                <a:spcPct val="150000"/>
+              </a:lnSpc>
+              <a:buFont typeface="Wingdings" charset="2"/>
+              <a:buChar char="Ø"/>
+            </a:pPr>
+            <a:r>
+              <a:rPr lang="zh-CN" altLang="zh-CN" sz="2400" dirty="0" smtClean="0"/>
+              <a:t>过滤</a:t>
+            </a:r>
+            <a:r>
+              <a:rPr lang="zh-CN" altLang="zh-CN" sz="2400" dirty="0"/>
+              <a:t>不合理的值</a:t>
+            </a:r>
+          </a:p>
+          <a:p>
+            <a:pPr marL="342900" lvl="0" indent="-342900">
+              <a:lnSpc>
+                <a:spcPct val="150000"/>
+              </a:lnSpc>
+              <a:buFont typeface="Wingdings" charset="2"/>
+              <a:buChar char="Ø"/>
+            </a:pPr>
+            <a:r>
+              <a:rPr lang="zh-CN" altLang="zh-CN" sz="2400" dirty="0"/>
+              <a:t>屏蔽内部的赋值过程</a:t>
+            </a:r>
+          </a:p>
+          <a:p>
+            <a:pPr marL="342900" lvl="0" indent="-342900">
+              <a:lnSpc>
+                <a:spcPct val="150000"/>
+              </a:lnSpc>
+              <a:buFont typeface="Wingdings" charset="2"/>
+              <a:buChar char="Ø"/>
+            </a:pPr>
+            <a:r>
+              <a:rPr lang="zh-CN" altLang="zh-CN" sz="2400" dirty="0"/>
+              <a:t>让外界不必关注内部的细节</a:t>
+            </a:r>
+          </a:p>
+        </p:txBody>
+      </p:sp>
+    </p:spTree>
+    <p:extLst>
+      <p:ext uri="{BB962C8B-B14F-4D97-AF65-F5344CB8AC3E}">
+        <p14:creationId xmlns:p14="http://schemas.microsoft.com/office/powerpoint/2010/main" val="533239302"/>
       </p:ext>
     </p:extLst>
   </p:cSld>
